--- a/doc/intro/slides/lesson_03_jpa.pptx
+++ b/doc/intro/slides/lesson_03_jpa.pptx
@@ -206,7 +206,7 @@
           <a:p>
             <a:fld id="{9B5B52BA-3295-0343-9E28-A260A811DD10}" type="datetimeFigureOut">
               <a:rPr lang="en-US" smtClean="0"/>
-              <a:t>12/26/17</a:t>
+              <a:t>27-Nov-18</a:t>
             </a:fld>
             <a:endParaRPr lang="en-US"/>
           </a:p>
@@ -605,7 +605,7 @@
           <a:p>
             <a:fld id="{04F1D4A2-813C-F741-B481-C92B3A596030}" type="datetimeFigureOut">
               <a:rPr lang="en-US" smtClean="0"/>
-              <a:t>12/26/17</a:t>
+              <a:t>27-Nov-18</a:t>
             </a:fld>
             <a:endParaRPr lang="en-US"/>
           </a:p>
@@ -775,7 +775,7 @@
           <a:p>
             <a:fld id="{04F1D4A2-813C-F741-B481-C92B3A596030}" type="datetimeFigureOut">
               <a:rPr lang="en-US" smtClean="0"/>
-              <a:t>12/26/17</a:t>
+              <a:t>27-Nov-18</a:t>
             </a:fld>
             <a:endParaRPr lang="en-US"/>
           </a:p>
@@ -955,7 +955,7 @@
           <a:p>
             <a:fld id="{04F1D4A2-813C-F741-B481-C92B3A596030}" type="datetimeFigureOut">
               <a:rPr lang="en-US" smtClean="0"/>
-              <a:t>12/26/17</a:t>
+              <a:t>27-Nov-18</a:t>
             </a:fld>
             <a:endParaRPr lang="en-US"/>
           </a:p>
@@ -1136,7 +1136,7 @@
           <a:p>
             <a:fld id="{04F1D4A2-813C-F741-B481-C92B3A596030}" type="datetimeFigureOut">
               <a:rPr lang="en-US" smtClean="0"/>
-              <a:t>12/26/17</a:t>
+              <a:t>27-Nov-18</a:t>
             </a:fld>
             <a:endParaRPr lang="en-US"/>
           </a:p>
@@ -1382,7 +1382,7 @@
           <a:p>
             <a:fld id="{04F1D4A2-813C-F741-B481-C92B3A596030}" type="datetimeFigureOut">
               <a:rPr lang="en-US" smtClean="0"/>
-              <a:t>12/26/17</a:t>
+              <a:t>27-Nov-18</a:t>
             </a:fld>
             <a:endParaRPr lang="en-US"/>
           </a:p>
@@ -1614,7 +1614,7 @@
           <a:p>
             <a:fld id="{04F1D4A2-813C-F741-B481-C92B3A596030}" type="datetimeFigureOut">
               <a:rPr lang="en-US" smtClean="0"/>
-              <a:t>12/26/17</a:t>
+              <a:t>27-Nov-18</a:t>
             </a:fld>
             <a:endParaRPr lang="en-US"/>
           </a:p>
@@ -1981,7 +1981,7 @@
           <a:p>
             <a:fld id="{04F1D4A2-813C-F741-B481-C92B3A596030}" type="datetimeFigureOut">
               <a:rPr lang="en-US" smtClean="0"/>
-              <a:t>12/26/17</a:t>
+              <a:t>27-Nov-18</a:t>
             </a:fld>
             <a:endParaRPr lang="en-US"/>
           </a:p>
@@ -2099,7 +2099,7 @@
           <a:p>
             <a:fld id="{04F1D4A2-813C-F741-B481-C92B3A596030}" type="datetimeFigureOut">
               <a:rPr lang="en-US" smtClean="0"/>
-              <a:t>12/26/17</a:t>
+              <a:t>27-Nov-18</a:t>
             </a:fld>
             <a:endParaRPr lang="en-US"/>
           </a:p>
@@ -2194,7 +2194,7 @@
           <a:p>
             <a:fld id="{04F1D4A2-813C-F741-B481-C92B3A596030}" type="datetimeFigureOut">
               <a:rPr lang="en-US" smtClean="0"/>
-              <a:t>12/26/17</a:t>
+              <a:t>27-Nov-18</a:t>
             </a:fld>
             <a:endParaRPr lang="en-US"/>
           </a:p>
@@ -2471,7 +2471,7 @@
           <a:p>
             <a:fld id="{04F1D4A2-813C-F741-B481-C92B3A596030}" type="datetimeFigureOut">
               <a:rPr lang="en-US" smtClean="0"/>
-              <a:t>12/26/17</a:t>
+              <a:t>27-Nov-18</a:t>
             </a:fld>
             <a:endParaRPr lang="en-US"/>
           </a:p>
@@ -2724,7 +2724,7 @@
           <a:p>
             <a:fld id="{04F1D4A2-813C-F741-B481-C92B3A596030}" type="datetimeFigureOut">
               <a:rPr lang="en-US" smtClean="0"/>
-              <a:t>12/26/17</a:t>
+              <a:t>27-Nov-18</a:t>
             </a:fld>
             <a:endParaRPr lang="en-US"/>
           </a:p>
@@ -2937,7 +2937,7 @@
           <a:p>
             <a:fld id="{04F1D4A2-813C-F741-B481-C92B3A596030}" type="datetimeFigureOut">
               <a:rPr lang="en-US" smtClean="0"/>
-              <a:t>12/26/17</a:t>
+              <a:t>27-Nov-18</a:t>
             </a:fld>
             <a:endParaRPr lang="en-US"/>
           </a:p>
@@ -3352,9 +3352,16 @@
             <p:ph type="ctrTitle"/>
           </p:nvPr>
         </p:nvSpPr>
-        <p:spPr/>
-        <p:txBody>
-          <a:bodyPr/>
+        <p:spPr>
+          <a:xfrm>
+            <a:off x="396240" y="1122363"/>
+            <a:ext cx="11490960" cy="3610504"/>
+          </a:xfrm>
+        </p:spPr>
+        <p:txBody>
+          <a:bodyPr>
+            <a:normAutofit/>
+          </a:bodyPr>
           <a:lstStyle/>
           <a:p>
             <a:pPr algn="l"/>
@@ -3368,22 +3375,25 @@
             </a:r>
             <a:r>
               <a:rPr lang="en-US" dirty="0" smtClean="0"/>
-              <a:t> 1</a:t>
+              <a:t> </a:t>
+            </a:r>
+            <a:r>
+              <a:rPr lang="en-US" dirty="0" smtClean="0"/>
+              <a:t>1</a:t>
             </a:r>
             <a:br>
               <a:rPr lang="en-US" dirty="0" smtClean="0"/>
             </a:br>
             <a:r>
               <a:rPr lang="en-US" dirty="0" smtClean="0"/>
-              <a:t>Lesson </a:t>
-            </a:r>
-            <a:r>
-              <a:rPr lang="en-US" dirty="0" smtClean="0"/>
-              <a:t>03: </a:t>
-            </a:r>
-            <a:r>
-              <a:rPr lang="en-US" dirty="0" smtClean="0"/>
-              <a:t>JPA</a:t>
+              <a:t/>
+            </a:r>
+            <a:br>
+              <a:rPr lang="en-US" dirty="0" smtClean="0"/>
+            </a:br>
+            <a:r>
+              <a:rPr lang="en-US" dirty="0" smtClean="0"/>
+              <a:t>Lesson 03: JPA</a:t>
             </a:r>
             <a:endParaRPr lang="en-US" dirty="0"/>
           </a:p>
@@ -3401,36 +3411,26 @@
         </p:nvSpPr>
         <p:spPr>
           <a:xfrm>
-            <a:off x="1524000" y="3920358"/>
-            <a:ext cx="9144000" cy="1337441"/>
+            <a:off x="1524000" y="5952067"/>
+            <a:ext cx="9144000" cy="677331"/>
           </a:xfrm>
         </p:spPr>
         <p:txBody>
           <a:bodyPr>
-            <a:normAutofit fontScale="92500" lnSpcReduction="10000"/>
+            <a:normAutofit/>
           </a:bodyPr>
           <a:lstStyle/>
           <a:p>
             <a:pPr algn="r"/>
             <a:r>
               <a:rPr lang="en-US" dirty="0" smtClean="0"/>
-              <a:t>Dr. Andrea Arcuri</a:t>
-            </a:r>
-          </a:p>
-          <a:p>
-            <a:pPr algn="r"/>
-            <a:r>
-              <a:rPr lang="en-US" dirty="0" smtClean="0"/>
-              <a:t>Westerdals Oslo ACT</a:t>
-            </a:r>
-          </a:p>
-          <a:p>
-            <a:pPr algn="r"/>
-            <a:r>
-              <a:rPr lang="en-US" dirty="0" smtClean="0"/>
-              <a:t>University of Luxembourg</a:t>
-            </a:r>
-            <a:endParaRPr lang="en-US" dirty="0"/>
+              <a:t>Dr. Andrea </a:t>
+            </a:r>
+            <a:r>
+              <a:rPr lang="en-US" dirty="0" smtClean="0"/>
+              <a:t>Arcuri</a:t>
+            </a:r>
+            <a:endParaRPr lang="en-US" dirty="0" smtClean="0"/>
           </a:p>
         </p:txBody>
       </p:sp>
@@ -3539,7 +3539,6 @@
               <a:rPr lang="en-US" b="1" dirty="0" smtClean="0"/>
               <a:t>/lock</a:t>
             </a:r>
-            <a:endParaRPr lang="en-US" b="1" dirty="0" smtClean="0"/>
           </a:p>
           <a:p>
             <a:r>
@@ -3594,19 +3593,7 @@
           <a:p>
             <a:r>
               <a:rPr lang="en-US" dirty="0" smtClean="0"/>
-              <a:t>Exercises </a:t>
-            </a:r>
-            <a:r>
-              <a:rPr lang="en-US" dirty="0" smtClean="0"/>
-              <a:t>for Lesson </a:t>
-            </a:r>
-            <a:r>
-              <a:rPr lang="en-US" dirty="0" smtClean="0"/>
-              <a:t>03 </a:t>
-            </a:r>
-            <a:r>
-              <a:rPr lang="en-US" dirty="0" smtClean="0"/>
-              <a:t>(see documentation)</a:t>
+              <a:t>Exercises for Lesson 03 (see documentation)</a:t>
             </a:r>
             <a:endParaRPr lang="en-US" dirty="0"/>
           </a:p>
@@ -3903,10 +3890,15 @@
             <p:ph idx="1"/>
           </p:nvPr>
         </p:nvSpPr>
-        <p:spPr/>
+        <p:spPr>
+          <a:xfrm>
+            <a:off x="414867" y="1825625"/>
+            <a:ext cx="11421533" cy="4351338"/>
+          </a:xfrm>
+        </p:spPr>
         <p:txBody>
           <a:bodyPr>
-            <a:normAutofit fontScale="92500" lnSpcReduction="10000"/>
+            <a:normAutofit fontScale="92500"/>
           </a:bodyPr>
           <a:lstStyle/>
           <a:p>
@@ -4020,7 +4012,12 @@
             <p:ph idx="1"/>
           </p:nvPr>
         </p:nvSpPr>
-        <p:spPr/>
+        <p:spPr>
+          <a:xfrm>
+            <a:off x="313267" y="1825625"/>
+            <a:ext cx="11455400" cy="4351338"/>
+          </a:xfrm>
+        </p:spPr>
         <p:txBody>
           <a:bodyPr/>
           <a:lstStyle/>
@@ -4138,7 +4135,15 @@
           <a:p>
             <a:r>
               <a:rPr lang="en-US" dirty="0" smtClean="0"/>
-              <a:t>Can have special validation tags on the @Entity fields</a:t>
+              <a:t>Can have special validation tags on the </a:t>
+            </a:r>
+            <a:r>
+              <a:rPr lang="en-US" i="1" dirty="0" smtClean="0"/>
+              <a:t>@Entity </a:t>
+            </a:r>
+            <a:r>
+              <a:rPr lang="en-US" dirty="0" smtClean="0"/>
+              <a:t>fields</a:t>
             </a:r>
           </a:p>
           <a:p>
@@ -4467,10 +4472,15 @@
             <p:ph idx="1"/>
           </p:nvPr>
         </p:nvSpPr>
-        <p:spPr/>
+        <p:spPr>
+          <a:xfrm>
+            <a:off x="491067" y="1825624"/>
+            <a:ext cx="11396133" cy="4829175"/>
+          </a:xfrm>
+        </p:spPr>
         <p:txBody>
           <a:bodyPr>
-            <a:normAutofit lnSpcReduction="10000"/>
+            <a:normAutofit/>
           </a:bodyPr>
           <a:lstStyle/>
           <a:p>
@@ -4495,7 +4505,7 @@
               <a:t>One role of ORMs is to translate your </a:t>
             </a:r>
             <a:r>
-              <a:rPr lang="en-US" dirty="0" err="1" smtClean="0"/>
+              <a:rPr lang="en-US" i="1" dirty="0" err="1" smtClean="0"/>
               <a:t>EntityManager</a:t>
             </a:r>
             <a:r>

--- a/doc/intro/slides/lesson_03_jpa.pptx
+++ b/doc/intro/slides/lesson_03_jpa.pptx
@@ -206,7 +206,7 @@
           <a:p>
             <a:fld id="{9B5B52BA-3295-0343-9E28-A260A811DD10}" type="datetimeFigureOut">
               <a:rPr lang="en-US" smtClean="0"/>
-              <a:t>27-Nov-18</a:t>
+              <a:t>12/26/18</a:t>
             </a:fld>
             <a:endParaRPr lang="en-US"/>
           </a:p>
@@ -605,7 +605,7 @@
           <a:p>
             <a:fld id="{04F1D4A2-813C-F741-B481-C92B3A596030}" type="datetimeFigureOut">
               <a:rPr lang="en-US" smtClean="0"/>
-              <a:t>27-Nov-18</a:t>
+              <a:t>12/26/18</a:t>
             </a:fld>
             <a:endParaRPr lang="en-US"/>
           </a:p>
@@ -775,7 +775,7 @@
           <a:p>
             <a:fld id="{04F1D4A2-813C-F741-B481-C92B3A596030}" type="datetimeFigureOut">
               <a:rPr lang="en-US" smtClean="0"/>
-              <a:t>27-Nov-18</a:t>
+              <a:t>12/26/18</a:t>
             </a:fld>
             <a:endParaRPr lang="en-US"/>
           </a:p>
@@ -955,7 +955,7 @@
           <a:p>
             <a:fld id="{04F1D4A2-813C-F741-B481-C92B3A596030}" type="datetimeFigureOut">
               <a:rPr lang="en-US" smtClean="0"/>
-              <a:t>27-Nov-18</a:t>
+              <a:t>12/26/18</a:t>
             </a:fld>
             <a:endParaRPr lang="en-US"/>
           </a:p>
@@ -1136,7 +1136,7 @@
           <a:p>
             <a:fld id="{04F1D4A2-813C-F741-B481-C92B3A596030}" type="datetimeFigureOut">
               <a:rPr lang="en-US" smtClean="0"/>
-              <a:t>27-Nov-18</a:t>
+              <a:t>12/26/18</a:t>
             </a:fld>
             <a:endParaRPr lang="en-US"/>
           </a:p>
@@ -1382,7 +1382,7 @@
           <a:p>
             <a:fld id="{04F1D4A2-813C-F741-B481-C92B3A596030}" type="datetimeFigureOut">
               <a:rPr lang="en-US" smtClean="0"/>
-              <a:t>27-Nov-18</a:t>
+              <a:t>12/26/18</a:t>
             </a:fld>
             <a:endParaRPr lang="en-US"/>
           </a:p>
@@ -1614,7 +1614,7 @@
           <a:p>
             <a:fld id="{04F1D4A2-813C-F741-B481-C92B3A596030}" type="datetimeFigureOut">
               <a:rPr lang="en-US" smtClean="0"/>
-              <a:t>27-Nov-18</a:t>
+              <a:t>12/26/18</a:t>
             </a:fld>
             <a:endParaRPr lang="en-US"/>
           </a:p>
@@ -1981,7 +1981,7 @@
           <a:p>
             <a:fld id="{04F1D4A2-813C-F741-B481-C92B3A596030}" type="datetimeFigureOut">
               <a:rPr lang="en-US" smtClean="0"/>
-              <a:t>27-Nov-18</a:t>
+              <a:t>12/26/18</a:t>
             </a:fld>
             <a:endParaRPr lang="en-US"/>
           </a:p>
@@ -2099,7 +2099,7 @@
           <a:p>
             <a:fld id="{04F1D4A2-813C-F741-B481-C92B3A596030}" type="datetimeFigureOut">
               <a:rPr lang="en-US" smtClean="0"/>
-              <a:t>27-Nov-18</a:t>
+              <a:t>12/26/18</a:t>
             </a:fld>
             <a:endParaRPr lang="en-US"/>
           </a:p>
@@ -2194,7 +2194,7 @@
           <a:p>
             <a:fld id="{04F1D4A2-813C-F741-B481-C92B3A596030}" type="datetimeFigureOut">
               <a:rPr lang="en-US" smtClean="0"/>
-              <a:t>27-Nov-18</a:t>
+              <a:t>12/26/18</a:t>
             </a:fld>
             <a:endParaRPr lang="en-US"/>
           </a:p>
@@ -2471,7 +2471,7 @@
           <a:p>
             <a:fld id="{04F1D4A2-813C-F741-B481-C92B3A596030}" type="datetimeFigureOut">
               <a:rPr lang="en-US" smtClean="0"/>
-              <a:t>27-Nov-18</a:t>
+              <a:t>12/26/18</a:t>
             </a:fld>
             <a:endParaRPr lang="en-US"/>
           </a:p>
@@ -2724,7 +2724,7 @@
           <a:p>
             <a:fld id="{04F1D4A2-813C-F741-B481-C92B3A596030}" type="datetimeFigureOut">
               <a:rPr lang="en-US" smtClean="0"/>
-              <a:t>27-Nov-18</a:t>
+              <a:t>12/26/18</a:t>
             </a:fld>
             <a:endParaRPr lang="en-US"/>
           </a:p>
@@ -2937,7 +2937,7 @@
           <a:p>
             <a:fld id="{04F1D4A2-813C-F741-B481-C92B3A596030}" type="datetimeFigureOut">
               <a:rPr lang="en-US" smtClean="0"/>
-              <a:t>27-Nov-18</a:t>
+              <a:t>12/26/18</a:t>
             </a:fld>
             <a:endParaRPr lang="en-US"/>
           </a:p>
@@ -3375,11 +3375,7 @@
             </a:r>
             <a:r>
               <a:rPr lang="en-US" dirty="0" smtClean="0"/>
-              <a:t> </a:t>
-            </a:r>
-            <a:r>
-              <a:rPr lang="en-US" dirty="0" smtClean="0"/>
-              <a:t>1</a:t>
+              <a:t> 1</a:t>
             </a:r>
             <a:br>
               <a:rPr lang="en-US" dirty="0" smtClean="0"/>
@@ -3423,14 +3419,13 @@
           <a:p>
             <a:pPr algn="r"/>
             <a:r>
-              <a:rPr lang="en-US" dirty="0" smtClean="0"/>
-              <a:t>Dr. Andrea </a:t>
-            </a:r>
-            <a:r>
-              <a:rPr lang="en-US" dirty="0" smtClean="0"/>
-              <a:t>Arcuri</a:t>
-            </a:r>
-            <a:endParaRPr lang="en-US" dirty="0" smtClean="0"/>
+              <a:rPr lang="en-US" smtClean="0"/>
+              <a:t>Prof. </a:t>
+            </a:r>
+            <a:r>
+              <a:rPr lang="en-US" dirty="0" smtClean="0"/>
+              <a:t>Andrea Arcuri</a:t>
+            </a:r>
           </a:p>
         </p:txBody>
       </p:sp>

--- a/doc/intro/slides/lesson_03_jpa.pptx
+++ b/doc/intro/slides/lesson_03_jpa.pptx
@@ -5,7 +5,7 @@
     <p:sldMasterId id="2147483648" r:id="rId1"/>
   </p:sldMasterIdLst>
   <p:notesMasterIdLst>
-    <p:notesMasterId r:id="rId12"/>
+    <p:notesMasterId r:id="rId14"/>
   </p:notesMasterIdLst>
   <p:sldIdLst>
     <p:sldId id="256" r:id="rId2"/>
@@ -13,11 +13,13 @@
     <p:sldId id="276" r:id="rId4"/>
     <p:sldId id="277" r:id="rId5"/>
     <p:sldId id="278" r:id="rId6"/>
-    <p:sldId id="279" r:id="rId7"/>
-    <p:sldId id="280" r:id="rId8"/>
-    <p:sldId id="281" r:id="rId9"/>
-    <p:sldId id="282" r:id="rId10"/>
-    <p:sldId id="271" r:id="rId11"/>
+    <p:sldId id="283" r:id="rId7"/>
+    <p:sldId id="284" r:id="rId8"/>
+    <p:sldId id="279" r:id="rId9"/>
+    <p:sldId id="280" r:id="rId10"/>
+    <p:sldId id="281" r:id="rId11"/>
+    <p:sldId id="282" r:id="rId12"/>
+    <p:sldId id="271" r:id="rId13"/>
   </p:sldIdLst>
   <p:sldSz cx="12192000" cy="6858000"/>
   <p:notesSz cx="6858000" cy="9144000"/>
@@ -206,7 +208,7 @@
           <a:p>
             <a:fld id="{9B5B52BA-3295-0343-9E28-A260A811DD10}" type="datetimeFigureOut">
               <a:rPr lang="en-US" smtClean="0"/>
-              <a:t>12/26/18</a:t>
+              <a:t>09-Jan-19</a:t>
             </a:fld>
             <a:endParaRPr lang="en-US"/>
           </a:p>
@@ -605,7 +607,7 @@
           <a:p>
             <a:fld id="{04F1D4A2-813C-F741-B481-C92B3A596030}" type="datetimeFigureOut">
               <a:rPr lang="en-US" smtClean="0"/>
-              <a:t>12/26/18</a:t>
+              <a:t>09-Jan-19</a:t>
             </a:fld>
             <a:endParaRPr lang="en-US"/>
           </a:p>
@@ -775,7 +777,7 @@
           <a:p>
             <a:fld id="{04F1D4A2-813C-F741-B481-C92B3A596030}" type="datetimeFigureOut">
               <a:rPr lang="en-US" smtClean="0"/>
-              <a:t>12/26/18</a:t>
+              <a:t>09-Jan-19</a:t>
             </a:fld>
             <a:endParaRPr lang="en-US"/>
           </a:p>
@@ -955,7 +957,7 @@
           <a:p>
             <a:fld id="{04F1D4A2-813C-F741-B481-C92B3A596030}" type="datetimeFigureOut">
               <a:rPr lang="en-US" smtClean="0"/>
-              <a:t>12/26/18</a:t>
+              <a:t>09-Jan-19</a:t>
             </a:fld>
             <a:endParaRPr lang="en-US"/>
           </a:p>
@@ -1136,7 +1138,7 @@
           <a:p>
             <a:fld id="{04F1D4A2-813C-F741-B481-C92B3A596030}" type="datetimeFigureOut">
               <a:rPr lang="en-US" smtClean="0"/>
-              <a:t>12/26/18</a:t>
+              <a:t>09-Jan-19</a:t>
             </a:fld>
             <a:endParaRPr lang="en-US"/>
           </a:p>
@@ -1382,7 +1384,7 @@
           <a:p>
             <a:fld id="{04F1D4A2-813C-F741-B481-C92B3A596030}" type="datetimeFigureOut">
               <a:rPr lang="en-US" smtClean="0"/>
-              <a:t>12/26/18</a:t>
+              <a:t>09-Jan-19</a:t>
             </a:fld>
             <a:endParaRPr lang="en-US"/>
           </a:p>
@@ -1614,7 +1616,7 @@
           <a:p>
             <a:fld id="{04F1D4A2-813C-F741-B481-C92B3A596030}" type="datetimeFigureOut">
               <a:rPr lang="en-US" smtClean="0"/>
-              <a:t>12/26/18</a:t>
+              <a:t>09-Jan-19</a:t>
             </a:fld>
             <a:endParaRPr lang="en-US"/>
           </a:p>
@@ -1981,7 +1983,7 @@
           <a:p>
             <a:fld id="{04F1D4A2-813C-F741-B481-C92B3A596030}" type="datetimeFigureOut">
               <a:rPr lang="en-US" smtClean="0"/>
-              <a:t>12/26/18</a:t>
+              <a:t>09-Jan-19</a:t>
             </a:fld>
             <a:endParaRPr lang="en-US"/>
           </a:p>
@@ -2099,7 +2101,7 @@
           <a:p>
             <a:fld id="{04F1D4A2-813C-F741-B481-C92B3A596030}" type="datetimeFigureOut">
               <a:rPr lang="en-US" smtClean="0"/>
-              <a:t>12/26/18</a:t>
+              <a:t>09-Jan-19</a:t>
             </a:fld>
             <a:endParaRPr lang="en-US"/>
           </a:p>
@@ -2194,7 +2196,7 @@
           <a:p>
             <a:fld id="{04F1D4A2-813C-F741-B481-C92B3A596030}" type="datetimeFigureOut">
               <a:rPr lang="en-US" smtClean="0"/>
-              <a:t>12/26/18</a:t>
+              <a:t>09-Jan-19</a:t>
             </a:fld>
             <a:endParaRPr lang="en-US"/>
           </a:p>
@@ -2471,7 +2473,7 @@
           <a:p>
             <a:fld id="{04F1D4A2-813C-F741-B481-C92B3A596030}" type="datetimeFigureOut">
               <a:rPr lang="en-US" smtClean="0"/>
-              <a:t>12/26/18</a:t>
+              <a:t>09-Jan-19</a:t>
             </a:fld>
             <a:endParaRPr lang="en-US"/>
           </a:p>
@@ -2724,7 +2726,7 @@
           <a:p>
             <a:fld id="{04F1D4A2-813C-F741-B481-C92B3A596030}" type="datetimeFigureOut">
               <a:rPr lang="en-US" smtClean="0"/>
-              <a:t>12/26/18</a:t>
+              <a:t>09-Jan-19</a:t>
             </a:fld>
             <a:endParaRPr lang="en-US"/>
           </a:p>
@@ -2937,7 +2939,7 @@
           <a:p>
             <a:fld id="{04F1D4A2-813C-F741-B481-C92B3A596030}" type="datetimeFigureOut">
               <a:rPr lang="en-US" smtClean="0"/>
-              <a:t>12/26/18</a:t>
+              <a:t>09-Jan-19</a:t>
             </a:fld>
             <a:endParaRPr lang="en-US"/>
           </a:p>
@@ -3461,6 +3463,286 @@
       </p:grpSpPr>
       <p:sp>
         <p:nvSpPr>
+          <p:cNvPr id="2" name="Title 1"/>
+          <p:cNvSpPr>
+            <a:spLocks noGrp="1"/>
+          </p:cNvSpPr>
+          <p:nvPr>
+            <p:ph type="title"/>
+          </p:nvPr>
+        </p:nvSpPr>
+        <p:spPr/>
+        <p:txBody>
+          <a:bodyPr/>
+          <a:lstStyle/>
+          <a:p>
+            <a:r>
+              <a:rPr lang="en-US" dirty="0" smtClean="0"/>
+              <a:t>Reasons for using constraints</a:t>
+            </a:r>
+            <a:endParaRPr lang="en-US" dirty="0"/>
+          </a:p>
+        </p:txBody>
+      </p:sp>
+      <p:sp>
+        <p:nvSpPr>
+          <p:cNvPr id="3" name="Content Placeholder 2"/>
+          <p:cNvSpPr>
+            <a:spLocks noGrp="1"/>
+          </p:cNvSpPr>
+          <p:nvPr>
+            <p:ph idx="1"/>
+          </p:nvPr>
+        </p:nvSpPr>
+        <p:spPr/>
+        <p:txBody>
+          <a:bodyPr/>
+          <a:lstStyle/>
+          <a:p>
+            <a:pPr marL="742950" indent="-742950">
+              <a:buFont typeface="+mj-lt"/>
+              <a:buAutoNum type="arabicPeriod"/>
+            </a:pPr>
+            <a:r>
+              <a:rPr lang="en-US" dirty="0" smtClean="0"/>
+              <a:t>If something goes wrong, you want a failure as soon as possible, with a clear reason, </a:t>
+            </a:r>
+            <a:r>
+              <a:rPr lang="en-US" dirty="0" err="1" smtClean="0"/>
+              <a:t>ie</a:t>
+            </a:r>
+            <a:r>
+              <a:rPr lang="en-US" dirty="0" smtClean="0"/>
+              <a:t> </a:t>
+            </a:r>
+            <a:r>
+              <a:rPr lang="en-US" i="1" dirty="0" smtClean="0"/>
+              <a:t>fail fast</a:t>
+            </a:r>
+            <a:r>
+              <a:rPr lang="en-US" dirty="0"/>
+              <a:t> </a:t>
+            </a:r>
+            <a:r>
+              <a:rPr lang="en-US" dirty="0" smtClean="0"/>
+              <a:t>principle</a:t>
+            </a:r>
+          </a:p>
+          <a:p>
+            <a:pPr marL="742950" indent="-742950">
+              <a:buFont typeface="+mj-lt"/>
+              <a:buAutoNum type="arabicPeriod"/>
+            </a:pPr>
+            <a:r>
+              <a:rPr lang="en-US" dirty="0" smtClean="0"/>
+              <a:t>Good for non-ambiguous documentation</a:t>
+            </a:r>
+          </a:p>
+          <a:p>
+            <a:pPr marL="742950" indent="-742950">
+              <a:buFont typeface="+mj-lt"/>
+              <a:buAutoNum type="arabicPeriod"/>
+            </a:pPr>
+            <a:r>
+              <a:rPr lang="en-US" dirty="0" smtClean="0"/>
+              <a:t>Security, </a:t>
+            </a:r>
+            <a:r>
+              <a:rPr lang="en-US" dirty="0" err="1" smtClean="0"/>
+              <a:t>eg</a:t>
+            </a:r>
+            <a:r>
+              <a:rPr lang="en-US" dirty="0" smtClean="0"/>
+              <a:t>, prevent DOS of username fields filled with 10GB long usernames</a:t>
+            </a:r>
+            <a:r>
+              <a:rPr lang="mr-IN" dirty="0" smtClean="0"/>
+              <a:t>…</a:t>
+            </a:r>
+            <a:endParaRPr lang="en-US" dirty="0"/>
+          </a:p>
+        </p:txBody>
+      </p:sp>
+    </p:spTree>
+    <p:extLst>
+      <p:ext uri="{BB962C8B-B14F-4D97-AF65-F5344CB8AC3E}">
+        <p14:creationId xmlns:p14="http://schemas.microsoft.com/office/powerpoint/2010/main" val="1474426537"/>
+      </p:ext>
+    </p:extLst>
+  </p:cSld>
+  <p:clrMapOvr>
+    <a:masterClrMapping/>
+  </p:clrMapOvr>
+</p:sld>
+</file>
+
+<file path=ppt/slides/slide11.xml><?xml version="1.0" encoding="utf-8"?>
+<p:sld xmlns:a="http://schemas.openxmlformats.org/drawingml/2006/main" xmlns:r="http://schemas.openxmlformats.org/officeDocument/2006/relationships" xmlns:p="http://schemas.openxmlformats.org/presentationml/2006/main">
+  <p:cSld>
+    <p:spTree>
+      <p:nvGrpSpPr>
+        <p:cNvPr id="1" name=""/>
+        <p:cNvGrpSpPr/>
+        <p:nvPr/>
+      </p:nvGrpSpPr>
+      <p:grpSpPr>
+        <a:xfrm>
+          <a:off x="0" y="0"/>
+          <a:ext cx="0" cy="0"/>
+          <a:chOff x="0" y="0"/>
+          <a:chExt cx="0" cy="0"/>
+        </a:xfrm>
+      </p:grpSpPr>
+      <p:sp>
+        <p:nvSpPr>
+          <p:cNvPr id="2" name="Title 1"/>
+          <p:cNvSpPr>
+            <a:spLocks noGrp="1"/>
+          </p:cNvSpPr>
+          <p:nvPr>
+            <p:ph type="title"/>
+          </p:nvPr>
+        </p:nvSpPr>
+        <p:spPr/>
+        <p:txBody>
+          <a:bodyPr/>
+          <a:lstStyle/>
+          <a:p>
+            <a:r>
+              <a:rPr lang="en-US" dirty="0" smtClean="0"/>
+              <a:t>JPA Implementations</a:t>
+            </a:r>
+            <a:endParaRPr lang="en-US" dirty="0"/>
+          </a:p>
+        </p:txBody>
+      </p:sp>
+      <p:sp>
+        <p:nvSpPr>
+          <p:cNvPr id="3" name="Content Placeholder 2"/>
+          <p:cNvSpPr>
+            <a:spLocks noGrp="1"/>
+          </p:cNvSpPr>
+          <p:nvPr>
+            <p:ph idx="1"/>
+          </p:nvPr>
+        </p:nvSpPr>
+        <p:spPr>
+          <a:xfrm>
+            <a:off x="491067" y="1825624"/>
+            <a:ext cx="11396133" cy="4829175"/>
+          </a:xfrm>
+        </p:spPr>
+        <p:txBody>
+          <a:bodyPr>
+            <a:normAutofit/>
+          </a:bodyPr>
+          <a:lstStyle/>
+          <a:p>
+            <a:r>
+              <a:rPr lang="en-US" i="1" dirty="0" smtClean="0"/>
+              <a:t>Hibernate</a:t>
+            </a:r>
+            <a:r>
+              <a:rPr lang="en-US" dirty="0" smtClean="0"/>
+              <a:t> is the most used JPA implementation</a:t>
+            </a:r>
+          </a:p>
+          <a:p>
+            <a:r>
+              <a:rPr lang="en-US" i="1" dirty="0" err="1" smtClean="0"/>
+              <a:t>EclipseLink</a:t>
+            </a:r>
+            <a:r>
+              <a:rPr lang="en-US" dirty="0" smtClean="0"/>
+              <a:t> is another one</a:t>
+            </a:r>
+          </a:p>
+          <a:p>
+            <a:r>
+              <a:rPr lang="en-US" dirty="0" smtClean="0"/>
+              <a:t>One role of ORMs is to translate your </a:t>
+            </a:r>
+            <a:r>
+              <a:rPr lang="en-US" i="1" dirty="0" err="1" smtClean="0"/>
+              <a:t>EntityManager</a:t>
+            </a:r>
+            <a:r>
+              <a:rPr lang="en-US" dirty="0" smtClean="0"/>
+              <a:t> and JPQL operations into efficient SQL commands</a:t>
+            </a:r>
+          </a:p>
+          <a:p>
+            <a:r>
+              <a:rPr lang="en-US" dirty="0" smtClean="0"/>
+              <a:t>That’s good for many cases, but you can end up with </a:t>
+            </a:r>
+            <a:r>
+              <a:rPr lang="en-US" i="1" dirty="0" smtClean="0"/>
+              <a:t>inefficient SQL </a:t>
+            </a:r>
+            <a:r>
+              <a:rPr lang="en-US" dirty="0" smtClean="0"/>
+              <a:t>or </a:t>
+            </a:r>
+            <a:r>
+              <a:rPr lang="en-US" i="1" dirty="0" smtClean="0"/>
+              <a:t>straight up nonsense</a:t>
+            </a:r>
+            <a:r>
+              <a:rPr lang="mr-IN" dirty="0" smtClean="0"/>
+              <a:t>…</a:t>
+            </a:r>
+            <a:endParaRPr lang="en-US" dirty="0" smtClean="0"/>
+          </a:p>
+          <a:p>
+            <a:r>
+              <a:rPr lang="en-US" dirty="0" smtClean="0"/>
+              <a:t>Remember: libraries can have bugs, or very “peculiar”, unexpected behaviors</a:t>
+            </a:r>
+            <a:r>
+              <a:rPr lang="mr-IN" dirty="0" smtClean="0"/>
+              <a:t>…</a:t>
+            </a:r>
+            <a:r>
+              <a:rPr lang="en-US" dirty="0" smtClean="0"/>
+              <a:t> </a:t>
+            </a:r>
+            <a:endParaRPr lang="en-US" dirty="0"/>
+          </a:p>
+        </p:txBody>
+      </p:sp>
+    </p:spTree>
+    <p:extLst>
+      <p:ext uri="{BB962C8B-B14F-4D97-AF65-F5344CB8AC3E}">
+        <p14:creationId xmlns:p14="http://schemas.microsoft.com/office/powerpoint/2010/main" val="1244052674"/>
+      </p:ext>
+    </p:extLst>
+  </p:cSld>
+  <p:clrMapOvr>
+    <a:masterClrMapping/>
+  </p:clrMapOvr>
+</p:sld>
+</file>
+
+<file path=ppt/slides/slide12.xml><?xml version="1.0" encoding="utf-8"?>
+<p:sld xmlns:a="http://schemas.openxmlformats.org/drawingml/2006/main" xmlns:r="http://schemas.openxmlformats.org/officeDocument/2006/relationships" xmlns:p="http://schemas.openxmlformats.org/presentationml/2006/main">
+  <p:cSld>
+    <p:spTree>
+      <p:nvGrpSpPr>
+        <p:cNvPr id="1" name=""/>
+        <p:cNvGrpSpPr/>
+        <p:nvPr/>
+      </p:nvGrpSpPr>
+      <p:grpSpPr>
+        <a:xfrm>
+          <a:off x="0" y="0"/>
+          <a:ext cx="0" cy="0"/>
+          <a:chOff x="0" y="0"/>
+          <a:chExt cx="0" cy="0"/>
+        </a:xfrm>
+      </p:grpSpPr>
+      <p:sp>
+        <p:nvSpPr>
           <p:cNvPr id="4" name="Title 3"/>
           <p:cNvSpPr>
             <a:spLocks noGrp="1"/>
@@ -4084,7 +4366,7 @@
           <a:p>
             <a:r>
               <a:rPr lang="en-US" dirty="0" smtClean="0"/>
-              <a:t>Validation</a:t>
+              <a:t>Threads</a:t>
             </a:r>
             <a:endParaRPr lang="en-US" dirty="0"/>
           </a:p>
@@ -4102,49 +4384,85 @@
         </p:nvSpPr>
         <p:spPr>
           <a:xfrm>
-            <a:off x="473335" y="1825625"/>
-            <a:ext cx="11435379" cy="4351338"/>
+            <a:off x="312233" y="1825624"/>
+            <a:ext cx="11745951" cy="4879975"/>
           </a:xfrm>
         </p:spPr>
         <p:txBody>
-          <a:bodyPr/>
-          <a:lstStyle/>
-          <a:p>
-            <a:r>
-              <a:rPr lang="en-US" dirty="0" smtClean="0"/>
-              <a:t>How to say that a String in the DB should not be too long?</a:t>
-            </a:r>
-          </a:p>
-          <a:p>
-            <a:r>
-              <a:rPr lang="en-US" dirty="0" smtClean="0"/>
-              <a:t>How to say that a String should represent a valid email?</a:t>
-            </a:r>
-          </a:p>
-          <a:p>
-            <a:r>
-              <a:rPr lang="en-US" dirty="0" smtClean="0"/>
-              <a:t>How to say that an Integer should be constrained in a specify range?</a:t>
-            </a:r>
-          </a:p>
-          <a:p>
-            <a:r>
-              <a:rPr lang="en-US" dirty="0" smtClean="0"/>
-              <a:t>Can have special validation tags on the </a:t>
+          <a:bodyPr>
+            <a:normAutofit lnSpcReduction="10000"/>
+          </a:bodyPr>
+          <a:lstStyle/>
+          <a:p>
+            <a:r>
+              <a:rPr lang="en-US" dirty="0" smtClean="0"/>
+              <a:t>We will go in more details later in the course, but we start using them already in this class</a:t>
+            </a:r>
+          </a:p>
+          <a:p>
+            <a:r>
+              <a:rPr lang="en-US" dirty="0" smtClean="0"/>
+              <a:t>When code is executed, it will run in a </a:t>
             </a:r>
             <a:r>
               <a:rPr lang="en-US" i="1" dirty="0" smtClean="0"/>
-              <a:t>@Entity </a:t>
-            </a:r>
-            <a:r>
-              <a:rPr lang="en-US" dirty="0" smtClean="0"/>
-              <a:t>fields</a:t>
-            </a:r>
-          </a:p>
-          <a:p>
-            <a:r>
-              <a:rPr lang="en-US" dirty="0" smtClean="0"/>
-              <a:t>Can also have custom constrains</a:t>
+              <a:t>thread</a:t>
+            </a:r>
+          </a:p>
+          <a:p>
+            <a:r>
+              <a:rPr lang="en-US" i="1" dirty="0" smtClean="0"/>
+              <a:t>Threads</a:t>
+            </a:r>
+            <a:r>
+              <a:rPr lang="en-US" dirty="0" smtClean="0"/>
+              <a:t> are allocated by the OS</a:t>
+            </a:r>
+          </a:p>
+          <a:p>
+            <a:r>
+              <a:rPr lang="en-US" dirty="0" smtClean="0"/>
+              <a:t>A process can have 1 or more threads</a:t>
+            </a:r>
+          </a:p>
+          <a:p>
+            <a:r>
+              <a:rPr lang="en-US" dirty="0" smtClean="0"/>
+              <a:t>Each </a:t>
+            </a:r>
+            <a:r>
+              <a:rPr lang="en-US" i="1" dirty="0" smtClean="0"/>
+              <a:t>thread</a:t>
+            </a:r>
+            <a:r>
+              <a:rPr lang="en-US" dirty="0" smtClean="0"/>
+              <a:t> in a process has its own </a:t>
+            </a:r>
+            <a:r>
+              <a:rPr lang="en-US" i="1" dirty="0" smtClean="0"/>
+              <a:t>method-call-stack</a:t>
+            </a:r>
+            <a:r>
+              <a:rPr lang="en-US" dirty="0" smtClean="0"/>
+              <a:t>, but share the same </a:t>
+            </a:r>
+            <a:r>
+              <a:rPr lang="en-US" i="1" dirty="0" smtClean="0"/>
+              <a:t>heap</a:t>
+            </a:r>
+          </a:p>
+          <a:p>
+            <a:r>
+              <a:rPr lang="en-US" dirty="0" smtClean="0"/>
+              <a:t>Different </a:t>
+            </a:r>
+            <a:r>
+              <a:rPr lang="en-US" i="1" dirty="0" smtClean="0"/>
+              <a:t>threads</a:t>
+            </a:r>
+            <a:r>
+              <a:rPr lang="en-US" dirty="0" smtClean="0"/>
+              <a:t> can run in parallel on different CPUs, or sequentially on a single one (giving illusion of parallelism)</a:t>
             </a:r>
             <a:endParaRPr lang="en-US" dirty="0"/>
           </a:p>
@@ -4153,7 +4471,7 @@
     </p:spTree>
     <p:extLst>
       <p:ext uri="{BB962C8B-B14F-4D97-AF65-F5344CB8AC3E}">
-        <p14:creationId xmlns:p14="http://schemas.microsoft.com/office/powerpoint/2010/main" val="1073018105"/>
+        <p14:creationId xmlns:p14="http://schemas.microsoft.com/office/powerpoint/2010/main" val="3692193389"/>
       </p:ext>
     </p:extLst>
   </p:cSld>
@@ -4197,7 +4515,7 @@
           <a:p>
             <a:r>
               <a:rPr lang="en-US" dirty="0" smtClean="0"/>
-              <a:t>Validation Annotations</a:t>
+              <a:t>Thread Handling</a:t>
             </a:r>
             <a:endParaRPr lang="en-US" dirty="0"/>
           </a:p>
@@ -4213,61 +4531,74 @@
             <p:ph idx="1"/>
           </p:nvPr>
         </p:nvSpPr>
-        <p:spPr/>
-        <p:txBody>
-          <a:bodyPr/>
-          <a:lstStyle/>
-          <a:p>
-            <a:r>
-              <a:rPr lang="en-US" dirty="0" smtClean="0"/>
-              <a:t>@</a:t>
-            </a:r>
-            <a:r>
-              <a:rPr lang="en-US" dirty="0" err="1" smtClean="0"/>
-              <a:t>NotNull</a:t>
-            </a:r>
-            <a:endParaRPr lang="en-US" dirty="0" smtClean="0"/>
-          </a:p>
-          <a:p>
-            <a:r>
-              <a:rPr lang="en-US" dirty="0" smtClean="0"/>
-              <a:t>@Size(min=?, max=?)</a:t>
-            </a:r>
-          </a:p>
-          <a:p>
-            <a:r>
-              <a:rPr lang="en-US" dirty="0" smtClean="0"/>
-              <a:t>@Pattern</a:t>
-            </a:r>
-          </a:p>
-          <a:p>
-            <a:r>
-              <a:rPr lang="en-US" dirty="0" smtClean="0"/>
-              <a:t>@</a:t>
-            </a:r>
-            <a:r>
-              <a:rPr lang="en-US" dirty="0" err="1" smtClean="0"/>
-              <a:t>NotBlank</a:t>
-            </a:r>
-            <a:endParaRPr lang="en-US" dirty="0" smtClean="0"/>
-          </a:p>
-          <a:p>
-            <a:r>
-              <a:rPr lang="en-US" dirty="0" smtClean="0"/>
-              <a:t>@Email</a:t>
-            </a:r>
-          </a:p>
-          <a:p>
-            <a:r>
-              <a:rPr lang="en-US" dirty="0"/>
-              <a:t>e</a:t>
-            </a:r>
-            <a:r>
-              <a:rPr lang="en-US" dirty="0" smtClean="0"/>
-              <a:t>tc.</a:t>
-            </a:r>
-          </a:p>
-          <a:p>
+        <p:spPr>
+          <a:xfrm>
+            <a:off x="275063" y="1825625"/>
+            <a:ext cx="11671610" cy="4805634"/>
+          </a:xfrm>
+        </p:spPr>
+        <p:txBody>
+          <a:bodyPr/>
+          <a:lstStyle/>
+          <a:p>
+            <a:r>
+              <a:rPr lang="en-US" dirty="0" smtClean="0"/>
+              <a:t>In Java, you can run/stop threads with </a:t>
+            </a:r>
+            <a:r>
+              <a:rPr lang="en-US" b="1" dirty="0" err="1" smtClean="0"/>
+              <a:t>java.lang.Thread</a:t>
+            </a:r>
+            <a:endParaRPr lang="en-US" b="1" dirty="0" smtClean="0"/>
+          </a:p>
+          <a:p>
+            <a:r>
+              <a:rPr lang="en-US" dirty="0" smtClean="0"/>
+              <a:t>In general, and especially in JEE/Spring, you will not handle </a:t>
+            </a:r>
+            <a:r>
+              <a:rPr lang="en-US" b="1" dirty="0" smtClean="0"/>
+              <a:t>Thread</a:t>
+            </a:r>
+            <a:r>
+              <a:rPr lang="en-US" dirty="0" smtClean="0"/>
+              <a:t> directly</a:t>
+            </a:r>
+          </a:p>
+          <a:p>
+            <a:pPr lvl="1"/>
+            <a:r>
+              <a:rPr lang="en-US" dirty="0" smtClean="0"/>
+              <a:t>we do it here just for testing and educational purposes</a:t>
+            </a:r>
+          </a:p>
+          <a:p>
+            <a:r>
+              <a:rPr lang="en-US" dirty="0" smtClean="0"/>
+              <a:t>A web server will have a </a:t>
+            </a:r>
+            <a:r>
+              <a:rPr lang="en-US" i="1" dirty="0" smtClean="0"/>
+              <a:t>pool</a:t>
+            </a:r>
+            <a:r>
+              <a:rPr lang="en-US" dirty="0" smtClean="0"/>
+              <a:t> of threads</a:t>
+            </a:r>
+          </a:p>
+          <a:p>
+            <a:pPr lvl="1"/>
+            <a:r>
+              <a:rPr lang="en-US" dirty="0" smtClean="0"/>
+              <a:t>at each incoming HTTP message, one available thread will handle it</a:t>
+            </a:r>
+          </a:p>
+          <a:p>
+            <a:pPr lvl="1"/>
+            <a:r>
+              <a:rPr lang="en-US" dirty="0" smtClean="0"/>
+              <a:t>creating/destroying threads is very expensive (as OS resources), so best to re-use existing ones from a pool</a:t>
+            </a:r>
             <a:endParaRPr lang="en-US" dirty="0"/>
           </a:p>
         </p:txBody>
@@ -4275,7 +4606,7 @@
     </p:spTree>
     <p:extLst>
       <p:ext uri="{BB962C8B-B14F-4D97-AF65-F5344CB8AC3E}">
-        <p14:creationId xmlns:p14="http://schemas.microsoft.com/office/powerpoint/2010/main" val="1714665338"/>
+        <p14:creationId xmlns:p14="http://schemas.microsoft.com/office/powerpoint/2010/main" val="4273444256"/>
       </p:ext>
     </p:extLst>
   </p:cSld>
@@ -4319,7 +4650,7 @@
           <a:p>
             <a:r>
               <a:rPr lang="en-US" dirty="0" smtClean="0"/>
-              <a:t>Reasons for using constraints</a:t>
+              <a:t>Validation</a:t>
             </a:r>
             <a:endParaRPr lang="en-US" dirty="0"/>
           </a:p>
@@ -4335,70 +4666,51 @@
             <p:ph idx="1"/>
           </p:nvPr>
         </p:nvSpPr>
-        <p:spPr/>
-        <p:txBody>
-          <a:bodyPr/>
-          <a:lstStyle/>
-          <a:p>
-            <a:pPr marL="742950" indent="-742950">
-              <a:buFont typeface="+mj-lt"/>
-              <a:buAutoNum type="arabicPeriod"/>
-            </a:pPr>
-            <a:r>
-              <a:rPr lang="en-US" dirty="0" smtClean="0"/>
-              <a:t>If something goes wrong, you want a failure as soon as possible, with a clear reason, </a:t>
-            </a:r>
-            <a:r>
-              <a:rPr lang="en-US" dirty="0" err="1" smtClean="0"/>
-              <a:t>ie</a:t>
-            </a:r>
-            <a:r>
-              <a:rPr lang="en-US" dirty="0" smtClean="0"/>
-              <a:t> </a:t>
+        <p:spPr>
+          <a:xfrm>
+            <a:off x="473335" y="1825625"/>
+            <a:ext cx="11435379" cy="4351338"/>
+          </a:xfrm>
+        </p:spPr>
+        <p:txBody>
+          <a:bodyPr/>
+          <a:lstStyle/>
+          <a:p>
+            <a:r>
+              <a:rPr lang="en-US" dirty="0" smtClean="0"/>
+              <a:t>How to say that a String in the DB should not be too long?</a:t>
+            </a:r>
+          </a:p>
+          <a:p>
+            <a:r>
+              <a:rPr lang="en-US" dirty="0" smtClean="0"/>
+              <a:t>How to say that a String should represent a valid email?</a:t>
+            </a:r>
+          </a:p>
+          <a:p>
+            <a:r>
+              <a:rPr lang="en-US" dirty="0" smtClean="0"/>
+              <a:t>How to say that an Integer should be constrained in a specify range?</a:t>
+            </a:r>
+          </a:p>
+          <a:p>
+            <a:r>
+              <a:rPr lang="en-US" dirty="0" smtClean="0"/>
+              <a:t>Can have special validation tags on the </a:t>
             </a:r>
             <a:r>
               <a:rPr lang="en-US" i="1" dirty="0" smtClean="0"/>
-              <a:t>fail fast</a:t>
-            </a:r>
-            <a:r>
-              <a:rPr lang="en-US" dirty="0"/>
-              <a:t> </a:t>
-            </a:r>
-            <a:r>
-              <a:rPr lang="en-US" dirty="0" smtClean="0"/>
-              <a:t>principle</a:t>
-            </a:r>
-          </a:p>
-          <a:p>
-            <a:pPr marL="742950" indent="-742950">
-              <a:buFont typeface="+mj-lt"/>
-              <a:buAutoNum type="arabicPeriod"/>
-            </a:pPr>
-            <a:r>
-              <a:rPr lang="en-US" dirty="0" smtClean="0"/>
-              <a:t>Good for non-ambiguous documentation</a:t>
-            </a:r>
-          </a:p>
-          <a:p>
-            <a:pPr marL="742950" indent="-742950">
-              <a:buFont typeface="+mj-lt"/>
-              <a:buAutoNum type="arabicPeriod"/>
-            </a:pPr>
-            <a:r>
-              <a:rPr lang="en-US" dirty="0" smtClean="0"/>
-              <a:t>Security, </a:t>
-            </a:r>
-            <a:r>
-              <a:rPr lang="en-US" dirty="0" err="1" smtClean="0"/>
-              <a:t>eg</a:t>
-            </a:r>
-            <a:r>
-              <a:rPr lang="en-US" dirty="0" smtClean="0"/>
-              <a:t>, prevent DOS of username fields filled with 10GB long usernames</a:t>
-            </a:r>
-            <a:r>
-              <a:rPr lang="mr-IN" dirty="0" smtClean="0"/>
-              <a:t>…</a:t>
+              <a:t>@Entity </a:t>
+            </a:r>
+            <a:r>
+              <a:rPr lang="en-US" dirty="0" smtClean="0"/>
+              <a:t>fields</a:t>
+            </a:r>
+          </a:p>
+          <a:p>
+            <a:r>
+              <a:rPr lang="en-US" dirty="0" smtClean="0"/>
+              <a:t>Can also have custom constrains</a:t>
             </a:r>
             <a:endParaRPr lang="en-US" dirty="0"/>
           </a:p>
@@ -4407,7 +4719,7 @@
     </p:spTree>
     <p:extLst>
       <p:ext uri="{BB962C8B-B14F-4D97-AF65-F5344CB8AC3E}">
-        <p14:creationId xmlns:p14="http://schemas.microsoft.com/office/powerpoint/2010/main" val="1474426537"/>
+        <p14:creationId xmlns:p14="http://schemas.microsoft.com/office/powerpoint/2010/main" val="1073018105"/>
       </p:ext>
     </p:extLst>
   </p:cSld>
@@ -4451,7 +4763,7 @@
           <a:p>
             <a:r>
               <a:rPr lang="en-US" dirty="0" smtClean="0"/>
-              <a:t>JPA Implementations</a:t>
+              <a:t>Validation Annotations</a:t>
             </a:r>
             <a:endParaRPr lang="en-US" dirty="0"/>
           </a:p>
@@ -4467,71 +4779,61 @@
             <p:ph idx="1"/>
           </p:nvPr>
         </p:nvSpPr>
-        <p:spPr>
-          <a:xfrm>
-            <a:off x="491067" y="1825624"/>
-            <a:ext cx="11396133" cy="4829175"/>
-          </a:xfrm>
-        </p:spPr>
-        <p:txBody>
-          <a:bodyPr>
-            <a:normAutofit/>
-          </a:bodyPr>
-          <a:lstStyle/>
-          <a:p>
-            <a:r>
-              <a:rPr lang="en-US" dirty="0" smtClean="0"/>
-              <a:t>Hibernate is the most used JPA implementation</a:t>
-            </a:r>
-          </a:p>
-          <a:p>
+        <p:spPr/>
+        <p:txBody>
+          <a:bodyPr/>
+          <a:lstStyle/>
+          <a:p>
+            <a:r>
+              <a:rPr lang="en-US" dirty="0" smtClean="0"/>
+              <a:t>@</a:t>
+            </a:r>
             <a:r>
               <a:rPr lang="en-US" dirty="0" err="1" smtClean="0"/>
-              <a:t>EclipseLink</a:t>
-            </a:r>
-            <a:r>
-              <a:rPr lang="en-US" dirty="0" smtClean="0"/>
-              <a:t> is another one</a:t>
-            </a:r>
-          </a:p>
-          <a:p>
-            <a:r>
-              <a:rPr lang="en-US" dirty="0" smtClean="0"/>
-              <a:t>One role of ORMs is to translate your </a:t>
-            </a:r>
-            <a:r>
-              <a:rPr lang="en-US" i="1" dirty="0" err="1" smtClean="0"/>
-              <a:t>EntityManager</a:t>
-            </a:r>
-            <a:r>
-              <a:rPr lang="en-US" dirty="0" smtClean="0"/>
-              <a:t> and JPQL operations into efficient SQL commands</a:t>
-            </a:r>
-          </a:p>
-          <a:p>
-            <a:r>
-              <a:rPr lang="en-US" dirty="0" smtClean="0"/>
-              <a:t>That’s good for many cases, but you can end up with inefficient SQL or straight up nonsense</a:t>
-            </a:r>
-            <a:r>
-              <a:rPr lang="mr-IN" dirty="0" smtClean="0"/>
-              <a:t>…</a:t>
+              <a:t>NotNull</a:t>
             </a:r>
             <a:endParaRPr lang="en-US" dirty="0" smtClean="0"/>
           </a:p>
           <a:p>
             <a:r>
               <a:rPr lang="en-US" dirty="0" smtClean="0"/>
-              <a:t>Remember: libraries can have bugs, or very “peculiar”, unexpected behaviors</a:t>
-            </a:r>
-            <a:r>
-              <a:rPr lang="mr-IN" dirty="0" smtClean="0"/>
-              <a:t>…</a:t>
-            </a:r>
-            <a:r>
-              <a:rPr lang="en-US" dirty="0" smtClean="0"/>
-              <a:t> </a:t>
-            </a:r>
+              <a:t>@Size(min=?, max=?)</a:t>
+            </a:r>
+          </a:p>
+          <a:p>
+            <a:r>
+              <a:rPr lang="en-US" dirty="0" smtClean="0"/>
+              <a:t>@Pattern</a:t>
+            </a:r>
+          </a:p>
+          <a:p>
+            <a:r>
+              <a:rPr lang="en-US" dirty="0" smtClean="0"/>
+              <a:t>@</a:t>
+            </a:r>
+            <a:r>
+              <a:rPr lang="en-US" dirty="0" err="1" smtClean="0"/>
+              <a:t>NotBlank</a:t>
+            </a:r>
+            <a:endParaRPr lang="en-US" dirty="0" smtClean="0"/>
+          </a:p>
+          <a:p>
+            <a:r>
+              <a:rPr lang="en-US" dirty="0" smtClean="0"/>
+              <a:t>@Email</a:t>
+            </a:r>
+          </a:p>
+          <a:p>
+            <a:r>
+              <a:rPr lang="en-US" dirty="0"/>
+              <a:t>e</a:t>
+            </a:r>
+            <a:r>
+              <a:rPr lang="en-US" dirty="0" smtClean="0"/>
+              <a:t>tc.</a:t>
+            </a:r>
+          </a:p>
+          <a:p>
             <a:endParaRPr lang="en-US" dirty="0"/>
           </a:p>
         </p:txBody>
@@ -4539,7 +4841,7 @@
     </p:spTree>
     <p:extLst>
       <p:ext uri="{BB962C8B-B14F-4D97-AF65-F5344CB8AC3E}">
-        <p14:creationId xmlns:p14="http://schemas.microsoft.com/office/powerpoint/2010/main" val="1244052674"/>
+        <p14:creationId xmlns:p14="http://schemas.microsoft.com/office/powerpoint/2010/main" val="1714665338"/>
       </p:ext>
     </p:extLst>
   </p:cSld>

--- a/doc/intro/slides/lesson_03_jpa.pptx
+++ b/doc/intro/slides/lesson_03_jpa.pptx
@@ -208,7 +208,7 @@
           <a:p>
             <a:fld id="{9B5B52BA-3295-0343-9E28-A260A811DD10}" type="datetimeFigureOut">
               <a:rPr lang="en-US" smtClean="0"/>
-              <a:t>09-Jan-19</a:t>
+              <a:t>18-Dec-19</a:t>
             </a:fld>
             <a:endParaRPr lang="en-US"/>
           </a:p>
@@ -607,7 +607,7 @@
           <a:p>
             <a:fld id="{04F1D4A2-813C-F741-B481-C92B3A596030}" type="datetimeFigureOut">
               <a:rPr lang="en-US" smtClean="0"/>
-              <a:t>09-Jan-19</a:t>
+              <a:t>18-Dec-19</a:t>
             </a:fld>
             <a:endParaRPr lang="en-US"/>
           </a:p>
@@ -777,7 +777,7 @@
           <a:p>
             <a:fld id="{04F1D4A2-813C-F741-B481-C92B3A596030}" type="datetimeFigureOut">
               <a:rPr lang="en-US" smtClean="0"/>
-              <a:t>09-Jan-19</a:t>
+              <a:t>18-Dec-19</a:t>
             </a:fld>
             <a:endParaRPr lang="en-US"/>
           </a:p>
@@ -957,7 +957,7 @@
           <a:p>
             <a:fld id="{04F1D4A2-813C-F741-B481-C92B3A596030}" type="datetimeFigureOut">
               <a:rPr lang="en-US" smtClean="0"/>
-              <a:t>09-Jan-19</a:t>
+              <a:t>18-Dec-19</a:t>
             </a:fld>
             <a:endParaRPr lang="en-US"/>
           </a:p>
@@ -1138,7 +1138,7 @@
           <a:p>
             <a:fld id="{04F1D4A2-813C-F741-B481-C92B3A596030}" type="datetimeFigureOut">
               <a:rPr lang="en-US" smtClean="0"/>
-              <a:t>09-Jan-19</a:t>
+              <a:t>18-Dec-19</a:t>
             </a:fld>
             <a:endParaRPr lang="en-US"/>
           </a:p>
@@ -1384,7 +1384,7 @@
           <a:p>
             <a:fld id="{04F1D4A2-813C-F741-B481-C92B3A596030}" type="datetimeFigureOut">
               <a:rPr lang="en-US" smtClean="0"/>
-              <a:t>09-Jan-19</a:t>
+              <a:t>18-Dec-19</a:t>
             </a:fld>
             <a:endParaRPr lang="en-US"/>
           </a:p>
@@ -1616,7 +1616,7 @@
           <a:p>
             <a:fld id="{04F1D4A2-813C-F741-B481-C92B3A596030}" type="datetimeFigureOut">
               <a:rPr lang="en-US" smtClean="0"/>
-              <a:t>09-Jan-19</a:t>
+              <a:t>18-Dec-19</a:t>
             </a:fld>
             <a:endParaRPr lang="en-US"/>
           </a:p>
@@ -1983,7 +1983,7 @@
           <a:p>
             <a:fld id="{04F1D4A2-813C-F741-B481-C92B3A596030}" type="datetimeFigureOut">
               <a:rPr lang="en-US" smtClean="0"/>
-              <a:t>09-Jan-19</a:t>
+              <a:t>18-Dec-19</a:t>
             </a:fld>
             <a:endParaRPr lang="en-US"/>
           </a:p>
@@ -2101,7 +2101,7 @@
           <a:p>
             <a:fld id="{04F1D4A2-813C-F741-B481-C92B3A596030}" type="datetimeFigureOut">
               <a:rPr lang="en-US" smtClean="0"/>
-              <a:t>09-Jan-19</a:t>
+              <a:t>18-Dec-19</a:t>
             </a:fld>
             <a:endParaRPr lang="en-US"/>
           </a:p>
@@ -2196,7 +2196,7 @@
           <a:p>
             <a:fld id="{04F1D4A2-813C-F741-B481-C92B3A596030}" type="datetimeFigureOut">
               <a:rPr lang="en-US" smtClean="0"/>
-              <a:t>09-Jan-19</a:t>
+              <a:t>18-Dec-19</a:t>
             </a:fld>
             <a:endParaRPr lang="en-US"/>
           </a:p>
@@ -2473,7 +2473,7 @@
           <a:p>
             <a:fld id="{04F1D4A2-813C-F741-B481-C92B3A596030}" type="datetimeFigureOut">
               <a:rPr lang="en-US" smtClean="0"/>
-              <a:t>09-Jan-19</a:t>
+              <a:t>18-Dec-19</a:t>
             </a:fld>
             <a:endParaRPr lang="en-US"/>
           </a:p>
@@ -2726,7 +2726,7 @@
           <a:p>
             <a:fld id="{04F1D4A2-813C-F741-B481-C92B3A596030}" type="datetimeFigureOut">
               <a:rPr lang="en-US" smtClean="0"/>
-              <a:t>09-Jan-19</a:t>
+              <a:t>18-Dec-19</a:t>
             </a:fld>
             <a:endParaRPr lang="en-US"/>
           </a:p>
@@ -2939,7 +2939,7 @@
           <a:p>
             <a:fld id="{04F1D4A2-813C-F741-B481-C92B3A596030}" type="datetimeFigureOut">
               <a:rPr lang="en-US" smtClean="0"/>
-              <a:t>09-Jan-19</a:t>
+              <a:t>18-Dec-19</a:t>
             </a:fld>
             <a:endParaRPr lang="en-US"/>
           </a:p>
@@ -4185,10 +4185,14 @@
             </a:r>
             <a:r>
               <a:rPr lang="en-US" dirty="0"/>
-              <a:t>a numeric value tagged @</a:t>
-            </a:r>
-            <a:r>
-              <a:rPr lang="en-US" dirty="0" smtClean="0"/>
+              <a:t>a numeric value tagged </a:t>
+            </a:r>
+            <a:r>
+              <a:rPr lang="en-US" i="1" dirty="0"/>
+              <a:t>@</a:t>
+            </a:r>
+            <a:r>
+              <a:rPr lang="en-US" i="1" dirty="0" smtClean="0"/>
               <a:t>Version</a:t>
             </a:r>
           </a:p>
@@ -4785,41 +4789,41 @@
           <a:lstStyle/>
           <a:p>
             <a:r>
-              <a:rPr lang="en-US" dirty="0" smtClean="0"/>
+              <a:rPr lang="en-US" i="1" dirty="0" smtClean="0"/>
               <a:t>@</a:t>
             </a:r>
             <a:r>
-              <a:rPr lang="en-US" dirty="0" err="1" smtClean="0"/>
+              <a:rPr lang="en-US" i="1" dirty="0" err="1" smtClean="0"/>
               <a:t>NotNull</a:t>
             </a:r>
-            <a:endParaRPr lang="en-US" dirty="0" smtClean="0"/>
-          </a:p>
-          <a:p>
-            <a:r>
-              <a:rPr lang="en-US" dirty="0" smtClean="0"/>
+            <a:endParaRPr lang="en-US" i="1" dirty="0" smtClean="0"/>
+          </a:p>
+          <a:p>
+            <a:r>
+              <a:rPr lang="en-US" i="1" dirty="0" smtClean="0"/>
               <a:t>@Size(min=?, max=?)</a:t>
             </a:r>
           </a:p>
           <a:p>
             <a:r>
-              <a:rPr lang="en-US" dirty="0" smtClean="0"/>
+              <a:rPr lang="en-US" i="1" dirty="0" smtClean="0"/>
               <a:t>@Pattern</a:t>
             </a:r>
           </a:p>
           <a:p>
             <a:r>
-              <a:rPr lang="en-US" dirty="0" smtClean="0"/>
+              <a:rPr lang="en-US" i="1" dirty="0" smtClean="0"/>
               <a:t>@</a:t>
             </a:r>
             <a:r>
-              <a:rPr lang="en-US" dirty="0" err="1" smtClean="0"/>
+              <a:rPr lang="en-US" i="1" dirty="0" err="1" smtClean="0"/>
               <a:t>NotBlank</a:t>
             </a:r>
-            <a:endParaRPr lang="en-US" dirty="0" smtClean="0"/>
-          </a:p>
-          <a:p>
-            <a:r>
-              <a:rPr lang="en-US" dirty="0" smtClean="0"/>
+            <a:endParaRPr lang="en-US" i="1" dirty="0" smtClean="0"/>
+          </a:p>
+          <a:p>
+            <a:r>
+              <a:rPr lang="en-US" i="1" dirty="0" smtClean="0"/>
               <a:t>@Email</a:t>
             </a:r>
           </a:p>
